--- a/Midterm/실험계획법_전달용_1차.pptx
+++ b/Midterm/실험계획법_전달용_1차.pptx
@@ -243,7 +243,7 @@
           <a:p>
             <a:fld id="{A2CC3966-E874-4976-B4D2-E54DE5A5A388}" type="datetimeFigureOut">
               <a:rPr lang="ko-KR" altLang="en-US" smtClean="0"/>
-              <a:t>2017-03-23</a:t>
+              <a:t>2017-03-26</a:t>
             </a:fld>
             <a:endParaRPr lang="ko-KR" altLang="en-US"/>
           </a:p>
@@ -413,7 +413,7 @@
           <a:p>
             <a:fld id="{A2CC3966-E874-4976-B4D2-E54DE5A5A388}" type="datetimeFigureOut">
               <a:rPr lang="ko-KR" altLang="en-US" smtClean="0"/>
-              <a:t>2017-03-23</a:t>
+              <a:t>2017-03-26</a:t>
             </a:fld>
             <a:endParaRPr lang="ko-KR" altLang="en-US"/>
           </a:p>
@@ -593,7 +593,7 @@
           <a:p>
             <a:fld id="{A2CC3966-E874-4976-B4D2-E54DE5A5A388}" type="datetimeFigureOut">
               <a:rPr lang="ko-KR" altLang="en-US" smtClean="0"/>
-              <a:t>2017-03-23</a:t>
+              <a:t>2017-03-26</a:t>
             </a:fld>
             <a:endParaRPr lang="ko-KR" altLang="en-US"/>
           </a:p>
@@ -763,7 +763,7 @@
           <a:p>
             <a:fld id="{A2CC3966-E874-4976-B4D2-E54DE5A5A388}" type="datetimeFigureOut">
               <a:rPr lang="ko-KR" altLang="en-US" smtClean="0"/>
-              <a:t>2017-03-23</a:t>
+              <a:t>2017-03-26</a:t>
             </a:fld>
             <a:endParaRPr lang="ko-KR" altLang="en-US"/>
           </a:p>
@@ -1009,7 +1009,7 @@
           <a:p>
             <a:fld id="{A2CC3966-E874-4976-B4D2-E54DE5A5A388}" type="datetimeFigureOut">
               <a:rPr lang="ko-KR" altLang="en-US" smtClean="0"/>
-              <a:t>2017-03-23</a:t>
+              <a:t>2017-03-26</a:t>
             </a:fld>
             <a:endParaRPr lang="ko-KR" altLang="en-US"/>
           </a:p>
@@ -1241,7 +1241,7 @@
           <a:p>
             <a:fld id="{A2CC3966-E874-4976-B4D2-E54DE5A5A388}" type="datetimeFigureOut">
               <a:rPr lang="ko-KR" altLang="en-US" smtClean="0"/>
-              <a:t>2017-03-23</a:t>
+              <a:t>2017-03-26</a:t>
             </a:fld>
             <a:endParaRPr lang="ko-KR" altLang="en-US"/>
           </a:p>
@@ -1608,7 +1608,7 @@
           <a:p>
             <a:fld id="{A2CC3966-E874-4976-B4D2-E54DE5A5A388}" type="datetimeFigureOut">
               <a:rPr lang="ko-KR" altLang="en-US" smtClean="0"/>
-              <a:t>2017-03-23</a:t>
+              <a:t>2017-03-26</a:t>
             </a:fld>
             <a:endParaRPr lang="ko-KR" altLang="en-US"/>
           </a:p>
@@ -1726,7 +1726,7 @@
           <a:p>
             <a:fld id="{A2CC3966-E874-4976-B4D2-E54DE5A5A388}" type="datetimeFigureOut">
               <a:rPr lang="ko-KR" altLang="en-US" smtClean="0"/>
-              <a:t>2017-03-23</a:t>
+              <a:t>2017-03-26</a:t>
             </a:fld>
             <a:endParaRPr lang="ko-KR" altLang="en-US"/>
           </a:p>
@@ -1821,7 +1821,7 @@
           <a:p>
             <a:fld id="{A2CC3966-E874-4976-B4D2-E54DE5A5A388}" type="datetimeFigureOut">
               <a:rPr lang="ko-KR" altLang="en-US" smtClean="0"/>
-              <a:t>2017-03-23</a:t>
+              <a:t>2017-03-26</a:t>
             </a:fld>
             <a:endParaRPr lang="ko-KR" altLang="en-US"/>
           </a:p>
@@ -2098,7 +2098,7 @@
           <a:p>
             <a:fld id="{A2CC3966-E874-4976-B4D2-E54DE5A5A388}" type="datetimeFigureOut">
               <a:rPr lang="ko-KR" altLang="en-US" smtClean="0"/>
-              <a:t>2017-03-23</a:t>
+              <a:t>2017-03-26</a:t>
             </a:fld>
             <a:endParaRPr lang="ko-KR" altLang="en-US"/>
           </a:p>
@@ -2351,7 +2351,7 @@
           <a:p>
             <a:fld id="{A2CC3966-E874-4976-B4D2-E54DE5A5A388}" type="datetimeFigureOut">
               <a:rPr lang="ko-KR" altLang="en-US" smtClean="0"/>
-              <a:t>2017-03-23</a:t>
+              <a:t>2017-03-26</a:t>
             </a:fld>
             <a:endParaRPr lang="ko-KR" altLang="en-US"/>
           </a:p>
@@ -2564,7 +2564,7 @@
           <a:p>
             <a:fld id="{A2CC3966-E874-4976-B4D2-E54DE5A5A388}" type="datetimeFigureOut">
               <a:rPr lang="ko-KR" altLang="en-US" smtClean="0"/>
-              <a:t>2017-03-23</a:t>
+              <a:t>2017-03-26</a:t>
             </a:fld>
             <a:endParaRPr lang="ko-KR" altLang="en-US"/>
           </a:p>
@@ -3577,11 +3577,11 @@
           <a:p>
             <a:pPr algn="ctr"/>
             <a:r>
-              <a:rPr lang="ko-KR" altLang="en-US" sz="1400" b="1" dirty="0"/>
-              <a:t>반응지점</a:t>
-            </a:r>
-            <a:r>
-              <a:rPr lang="ko-KR" altLang="en-US" sz="1600" b="1" dirty="0"/>
+              <a:rPr lang="ko-KR" altLang="en-US" sz="1400" b="1" dirty="0" smtClean="0"/>
+              <a:t>곡률</a:t>
+            </a:r>
+            <a:r>
+              <a:rPr lang="ko-KR" altLang="en-US" sz="1600" b="1" dirty="0" smtClean="0"/>
               <a:t> </a:t>
             </a:r>
             <a:r>
@@ -3616,11 +3616,11 @@
           <a:p>
             <a:pPr algn="ctr"/>
             <a:r>
-              <a:rPr lang="ko-KR" altLang="en-US" sz="1400" b="1" dirty="0"/>
-              <a:t>반응지점</a:t>
-            </a:r>
-            <a:r>
-              <a:rPr lang="ko-KR" altLang="en-US" sz="1600" b="1" dirty="0"/>
+              <a:rPr lang="ko-KR" altLang="en-US" sz="1400" b="1" dirty="0" smtClean="0"/>
+              <a:t>곡률</a:t>
+            </a:r>
+            <a:r>
+              <a:rPr lang="ko-KR" altLang="en-US" sz="1600" b="1" dirty="0" smtClean="0"/>
               <a:t> </a:t>
             </a:r>
             <a:r>
@@ -3869,7 +3869,7 @@
           <p:nvPr>
             <p:extLst>
               <p:ext uri="{D42A27DB-BD31-4B8C-83A1-F6EECF244321}">
-                <p14:modId xmlns:p14="http://schemas.microsoft.com/office/powerpoint/2010/main" val="4147087822"/>
+                <p14:modId xmlns:p14="http://schemas.microsoft.com/office/powerpoint/2010/main" val="3722598952"/>
               </p:ext>
             </p:extLst>
           </p:nvPr>
@@ -4056,23 +4056,23 @@
                     <a:p>
                       <a:pPr latinLnBrk="1"/>
                       <a:r>
+                        <a:rPr lang="en-US" altLang="ko-KR" sz="1100" smtClean="0"/>
+                        <a:t>4</a:t>
+                      </a:r>
+                      <a:endParaRPr lang="ko-KR" altLang="en-US" sz="1100" dirty="0"/>
+                    </a:p>
+                  </a:txBody>
+                  <a:tcPr/>
+                </a:tc>
+                <a:tc>
+                  <a:txBody>
+                    <a:bodyPr/>
+                    <a:lstStyle/>
+                    <a:p>
+                      <a:pPr latinLnBrk="1"/>
+                      <a:r>
                         <a:rPr lang="en-US" altLang="ko-KR" sz="1100" dirty="0" smtClean="0"/>
-                        <a:t>3</a:t>
-                      </a:r>
-                      <a:endParaRPr lang="ko-KR" altLang="en-US" sz="1100" dirty="0"/>
-                    </a:p>
-                  </a:txBody>
-                  <a:tcPr/>
-                </a:tc>
-                <a:tc>
-                  <a:txBody>
-                    <a:bodyPr/>
-                    <a:lstStyle/>
-                    <a:p>
-                      <a:pPr latinLnBrk="1"/>
-                      <a:r>
-                        <a:rPr lang="en-US" altLang="ko-KR" sz="1100" dirty="0" smtClean="0"/>
-                        <a:t>5</a:t>
+                        <a:t>6</a:t>
                       </a:r>
                       <a:endParaRPr lang="ko-KR" altLang="en-US" sz="1100" dirty="0"/>
                     </a:p>
@@ -4119,7 +4119,7 @@
                       <a:pPr latinLnBrk="1"/>
                       <a:r>
                         <a:rPr lang="en-US" altLang="ko-KR" sz="1100" dirty="0" smtClean="0"/>
-                        <a:t>5</a:t>
+                        <a:t>6</a:t>
                       </a:r>
                       <a:endParaRPr lang="ko-KR" altLang="en-US" sz="1100" dirty="0"/>
                     </a:p>
@@ -4134,7 +4134,7 @@
                       <a:pPr latinLnBrk="1"/>
                       <a:r>
                         <a:rPr lang="en-US" altLang="ko-KR" sz="1100" dirty="0" smtClean="0"/>
-                        <a:t>7</a:t>
+                        <a:t>8</a:t>
                       </a:r>
                       <a:endParaRPr lang="ko-KR" altLang="en-US" sz="1100" dirty="0"/>
                     </a:p>
@@ -4155,7 +4155,7 @@
           <p:nvPr>
             <p:extLst>
               <p:ext uri="{D42A27DB-BD31-4B8C-83A1-F6EECF244321}">
-                <p14:modId xmlns:p14="http://schemas.microsoft.com/office/powerpoint/2010/main" val="3745076940"/>
+                <p14:modId xmlns:p14="http://schemas.microsoft.com/office/powerpoint/2010/main" val="1174667967"/>
               </p:ext>
             </p:extLst>
           </p:nvPr>
@@ -4370,22 +4370,22 @@
                       <a:pPr latinLnBrk="1"/>
                       <a:r>
                         <a:rPr lang="en-US" altLang="ko-KR" sz="700" dirty="0" smtClean="0"/>
-                        <a:t>3</a:t>
-                      </a:r>
-                      <a:endParaRPr lang="ko-KR" altLang="en-US" sz="700" dirty="0"/>
-                    </a:p>
-                  </a:txBody>
-                  <a:tcPr/>
-                </a:tc>
-                <a:tc>
-                  <a:txBody>
-                    <a:bodyPr/>
-                    <a:lstStyle/>
-                    <a:p>
-                      <a:pPr latinLnBrk="1"/>
-                      <a:r>
-                        <a:rPr lang="en-US" altLang="ko-KR" sz="700" dirty="0" smtClean="0"/>
-                        <a:t>5</a:t>
+                        <a:t>4</a:t>
+                      </a:r>
+                      <a:endParaRPr lang="ko-KR" altLang="en-US" sz="700" dirty="0"/>
+                    </a:p>
+                  </a:txBody>
+                  <a:tcPr/>
+                </a:tc>
+                <a:tc>
+                  <a:txBody>
+                    <a:bodyPr/>
+                    <a:lstStyle/>
+                    <a:p>
+                      <a:pPr latinLnBrk="1"/>
+                      <a:r>
+                        <a:rPr lang="en-US" altLang="ko-KR" sz="700" smtClean="0"/>
+                        <a:t>6</a:t>
                       </a:r>
                       <a:endParaRPr lang="ko-KR" altLang="en-US" sz="700" dirty="0"/>
                     </a:p>
@@ -4477,22 +4477,22 @@
                       <a:pPr latinLnBrk="1"/>
                       <a:r>
                         <a:rPr lang="en-US" altLang="ko-KR" sz="700" dirty="0" smtClean="0"/>
-                        <a:t>3</a:t>
-                      </a:r>
-                      <a:endParaRPr lang="ko-KR" altLang="en-US" sz="700" dirty="0"/>
-                    </a:p>
-                  </a:txBody>
-                  <a:tcPr/>
-                </a:tc>
-                <a:tc>
-                  <a:txBody>
-                    <a:bodyPr/>
-                    <a:lstStyle/>
-                    <a:p>
-                      <a:pPr latinLnBrk="1"/>
-                      <a:r>
-                        <a:rPr lang="en-US" altLang="ko-KR" sz="700" dirty="0" smtClean="0"/>
-                        <a:t>7</a:t>
+                        <a:t>4</a:t>
+                      </a:r>
+                      <a:endParaRPr lang="ko-KR" altLang="en-US" sz="700" dirty="0"/>
+                    </a:p>
+                  </a:txBody>
+                  <a:tcPr/>
+                </a:tc>
+                <a:tc>
+                  <a:txBody>
+                    <a:bodyPr/>
+                    <a:lstStyle/>
+                    <a:p>
+                      <a:pPr latinLnBrk="1"/>
+                      <a:r>
+                        <a:rPr lang="en-US" altLang="ko-KR" sz="700" dirty="0" smtClean="0"/>
+                        <a:t>8</a:t>
                       </a:r>
                       <a:endParaRPr lang="ko-KR" altLang="en-US" sz="700" dirty="0"/>
                     </a:p>
@@ -4584,22 +4584,22 @@
                       <a:pPr latinLnBrk="1"/>
                       <a:r>
                         <a:rPr lang="en-US" altLang="ko-KR" sz="700" dirty="0" smtClean="0"/>
-                        <a:t>3</a:t>
-                      </a:r>
-                      <a:endParaRPr lang="ko-KR" altLang="en-US" sz="700" dirty="0"/>
-                    </a:p>
-                  </a:txBody>
-                  <a:tcPr/>
-                </a:tc>
-                <a:tc>
-                  <a:txBody>
-                    <a:bodyPr/>
-                    <a:lstStyle/>
-                    <a:p>
-                      <a:pPr latinLnBrk="1"/>
-                      <a:r>
-                        <a:rPr lang="en-US" altLang="ko-KR" sz="700" dirty="0" smtClean="0"/>
-                        <a:t>7</a:t>
+                        <a:t>4</a:t>
+                      </a:r>
+                      <a:endParaRPr lang="ko-KR" altLang="en-US" sz="700" dirty="0"/>
+                    </a:p>
+                  </a:txBody>
+                  <a:tcPr/>
+                </a:tc>
+                <a:tc>
+                  <a:txBody>
+                    <a:bodyPr/>
+                    <a:lstStyle/>
+                    <a:p>
+                      <a:pPr latinLnBrk="1"/>
+                      <a:r>
+                        <a:rPr lang="en-US" altLang="ko-KR" sz="700" dirty="0" smtClean="0"/>
+                        <a:t>8</a:t>
                       </a:r>
                       <a:endParaRPr lang="ko-KR" altLang="en-US" sz="700" dirty="0"/>
                     </a:p>
@@ -4691,22 +4691,22 @@
                       <a:pPr latinLnBrk="1"/>
                       <a:r>
                         <a:rPr lang="en-US" altLang="ko-KR" sz="700" dirty="0" smtClean="0"/>
-                        <a:t>3</a:t>
-                      </a:r>
-                      <a:endParaRPr lang="ko-KR" altLang="en-US" sz="700" dirty="0"/>
-                    </a:p>
-                  </a:txBody>
-                  <a:tcPr/>
-                </a:tc>
-                <a:tc>
-                  <a:txBody>
-                    <a:bodyPr/>
-                    <a:lstStyle/>
-                    <a:p>
-                      <a:pPr latinLnBrk="1"/>
-                      <a:r>
-                        <a:rPr lang="en-US" altLang="ko-KR" sz="700" dirty="0" smtClean="0"/>
-                        <a:t>5</a:t>
+                        <a:t>4</a:t>
+                      </a:r>
+                      <a:endParaRPr lang="ko-KR" altLang="en-US" sz="700" dirty="0"/>
+                    </a:p>
+                  </a:txBody>
+                  <a:tcPr/>
+                </a:tc>
+                <a:tc>
+                  <a:txBody>
+                    <a:bodyPr/>
+                    <a:lstStyle/>
+                    <a:p>
+                      <a:pPr latinLnBrk="1"/>
+                      <a:r>
+                        <a:rPr lang="en-US" altLang="ko-KR" sz="700" dirty="0" smtClean="0"/>
+                        <a:t>6</a:t>
                       </a:r>
                       <a:endParaRPr lang="ko-KR" altLang="en-US" sz="700" dirty="0"/>
                     </a:p>
@@ -4798,22 +4798,22 @@
                       <a:pPr latinLnBrk="1"/>
                       <a:r>
                         <a:rPr lang="en-US" altLang="ko-KR" sz="700" dirty="0" smtClean="0"/>
-                        <a:t>5</a:t>
-                      </a:r>
-                      <a:endParaRPr lang="ko-KR" altLang="en-US" sz="700" dirty="0"/>
-                    </a:p>
-                  </a:txBody>
-                  <a:tcPr/>
-                </a:tc>
-                <a:tc>
-                  <a:txBody>
-                    <a:bodyPr/>
-                    <a:lstStyle/>
-                    <a:p>
-                      <a:pPr latinLnBrk="1"/>
-                      <a:r>
-                        <a:rPr lang="en-US" altLang="ko-KR" sz="700" dirty="0" smtClean="0"/>
-                        <a:t>5</a:t>
+                        <a:t>6</a:t>
+                      </a:r>
+                      <a:endParaRPr lang="ko-KR" altLang="en-US" sz="700" dirty="0"/>
+                    </a:p>
+                  </a:txBody>
+                  <a:tcPr/>
+                </a:tc>
+                <a:tc>
+                  <a:txBody>
+                    <a:bodyPr/>
+                    <a:lstStyle/>
+                    <a:p>
+                      <a:pPr latinLnBrk="1"/>
+                      <a:r>
+                        <a:rPr lang="en-US" altLang="ko-KR" sz="700" dirty="0" smtClean="0"/>
+                        <a:t>6</a:t>
                       </a:r>
                       <a:endParaRPr lang="ko-KR" altLang="en-US" sz="700" dirty="0"/>
                     </a:p>
@@ -4905,22 +4905,22 @@
                       <a:pPr latinLnBrk="1"/>
                       <a:r>
                         <a:rPr lang="en-US" altLang="ko-KR" sz="700" dirty="0" smtClean="0"/>
-                        <a:t>5</a:t>
-                      </a:r>
-                      <a:endParaRPr lang="ko-KR" altLang="en-US" sz="700" dirty="0"/>
-                    </a:p>
-                  </a:txBody>
-                  <a:tcPr/>
-                </a:tc>
-                <a:tc>
-                  <a:txBody>
-                    <a:bodyPr/>
-                    <a:lstStyle/>
-                    <a:p>
-                      <a:pPr latinLnBrk="1"/>
-                      <a:r>
-                        <a:rPr lang="en-US" altLang="ko-KR" sz="700" dirty="0" smtClean="0"/>
-                        <a:t>7</a:t>
+                        <a:t>6</a:t>
+                      </a:r>
+                      <a:endParaRPr lang="ko-KR" altLang="en-US" sz="700" dirty="0"/>
+                    </a:p>
+                  </a:txBody>
+                  <a:tcPr/>
+                </a:tc>
+                <a:tc>
+                  <a:txBody>
+                    <a:bodyPr/>
+                    <a:lstStyle/>
+                    <a:p>
+                      <a:pPr latinLnBrk="1"/>
+                      <a:r>
+                        <a:rPr lang="en-US" altLang="ko-KR" sz="700" dirty="0" smtClean="0"/>
+                        <a:t>8</a:t>
                       </a:r>
                       <a:endParaRPr lang="ko-KR" altLang="en-US" sz="700" dirty="0"/>
                     </a:p>
@@ -5012,22 +5012,22 @@
                       <a:pPr latinLnBrk="1"/>
                       <a:r>
                         <a:rPr lang="en-US" altLang="ko-KR" sz="700" dirty="0" smtClean="0"/>
-                        <a:t>5</a:t>
-                      </a:r>
-                      <a:endParaRPr lang="ko-KR" altLang="en-US" sz="700" dirty="0"/>
-                    </a:p>
-                  </a:txBody>
-                  <a:tcPr/>
-                </a:tc>
-                <a:tc>
-                  <a:txBody>
-                    <a:bodyPr/>
-                    <a:lstStyle/>
-                    <a:p>
-                      <a:pPr latinLnBrk="1"/>
-                      <a:r>
-                        <a:rPr lang="en-US" altLang="ko-KR" sz="700" dirty="0" smtClean="0"/>
-                        <a:t>7</a:t>
+                        <a:t>6</a:t>
+                      </a:r>
+                      <a:endParaRPr lang="ko-KR" altLang="en-US" sz="700" dirty="0"/>
+                    </a:p>
+                  </a:txBody>
+                  <a:tcPr/>
+                </a:tc>
+                <a:tc>
+                  <a:txBody>
+                    <a:bodyPr/>
+                    <a:lstStyle/>
+                    <a:p>
+                      <a:pPr latinLnBrk="1"/>
+                      <a:r>
+                        <a:rPr lang="en-US" altLang="ko-KR" sz="700" dirty="0" smtClean="0"/>
+                        <a:t>8</a:t>
                       </a:r>
                       <a:endParaRPr lang="ko-KR" altLang="en-US" sz="700" dirty="0"/>
                     </a:p>
@@ -5119,22 +5119,22 @@
                       <a:pPr latinLnBrk="1"/>
                       <a:r>
                         <a:rPr lang="en-US" altLang="ko-KR" sz="700" dirty="0" smtClean="0"/>
-                        <a:t>5</a:t>
-                      </a:r>
-                      <a:endParaRPr lang="ko-KR" altLang="en-US" sz="700" dirty="0"/>
-                    </a:p>
-                  </a:txBody>
-                  <a:tcPr/>
-                </a:tc>
-                <a:tc>
-                  <a:txBody>
-                    <a:bodyPr/>
-                    <a:lstStyle/>
-                    <a:p>
-                      <a:pPr latinLnBrk="1"/>
-                      <a:r>
-                        <a:rPr lang="en-US" altLang="ko-KR" sz="700" dirty="0" smtClean="0"/>
-                        <a:t>7</a:t>
+                        <a:t>6</a:t>
+                      </a:r>
+                      <a:endParaRPr lang="ko-KR" altLang="en-US" sz="700" dirty="0"/>
+                    </a:p>
+                  </a:txBody>
+                  <a:tcPr/>
+                </a:tc>
+                <a:tc>
+                  <a:txBody>
+                    <a:bodyPr/>
+                    <a:lstStyle/>
+                    <a:p>
+                      <a:pPr latinLnBrk="1"/>
+                      <a:r>
+                        <a:rPr lang="en-US" altLang="ko-KR" sz="700" dirty="0" smtClean="0"/>
+                        <a:t>8</a:t>
                       </a:r>
                       <a:endParaRPr lang="ko-KR" altLang="en-US" sz="700" dirty="0"/>
                     </a:p>
@@ -5226,22 +5226,22 @@
                       <a:pPr latinLnBrk="1"/>
                       <a:r>
                         <a:rPr lang="en-US" altLang="ko-KR" sz="700" dirty="0" smtClean="0"/>
-                        <a:t>4</a:t>
-                      </a:r>
-                      <a:endParaRPr lang="ko-KR" altLang="en-US" sz="700" dirty="0"/>
-                    </a:p>
-                  </a:txBody>
-                  <a:tcPr/>
-                </a:tc>
-                <a:tc>
-                  <a:txBody>
-                    <a:bodyPr/>
-                    <a:lstStyle/>
-                    <a:p>
-                      <a:pPr latinLnBrk="1"/>
-                      <a:r>
-                        <a:rPr lang="en-US" altLang="ko-KR" sz="700" dirty="0" smtClean="0"/>
-                        <a:t>6</a:t>
+                        <a:t>5</a:t>
+                      </a:r>
+                      <a:endParaRPr lang="ko-KR" altLang="en-US" sz="700" dirty="0"/>
+                    </a:p>
+                  </a:txBody>
+                  <a:tcPr/>
+                </a:tc>
+                <a:tc>
+                  <a:txBody>
+                    <a:bodyPr/>
+                    <a:lstStyle/>
+                    <a:p>
+                      <a:pPr latinLnBrk="1"/>
+                      <a:r>
+                        <a:rPr lang="en-US" altLang="ko-KR" sz="700" dirty="0" smtClean="0"/>
+                        <a:t>7</a:t>
                       </a:r>
                       <a:endParaRPr lang="ko-KR" altLang="en-US" sz="700" dirty="0"/>
                     </a:p>
@@ -5333,22 +5333,22 @@
                       <a:pPr latinLnBrk="1"/>
                       <a:r>
                         <a:rPr lang="en-US" altLang="ko-KR" sz="700" dirty="0" smtClean="0"/>
-                        <a:t>4</a:t>
-                      </a:r>
-                      <a:endParaRPr lang="ko-KR" altLang="en-US" sz="700" dirty="0"/>
-                    </a:p>
-                  </a:txBody>
-                  <a:tcPr/>
-                </a:tc>
-                <a:tc>
-                  <a:txBody>
-                    <a:bodyPr/>
-                    <a:lstStyle/>
-                    <a:p>
-                      <a:pPr latinLnBrk="1"/>
-                      <a:r>
-                        <a:rPr lang="en-US" altLang="ko-KR" sz="700" dirty="0" smtClean="0"/>
-                        <a:t>6</a:t>
+                        <a:t>5</a:t>
+                      </a:r>
+                      <a:endParaRPr lang="ko-KR" altLang="en-US" sz="700" dirty="0"/>
+                    </a:p>
+                  </a:txBody>
+                  <a:tcPr/>
+                </a:tc>
+                <a:tc>
+                  <a:txBody>
+                    <a:bodyPr/>
+                    <a:lstStyle/>
+                    <a:p>
+                      <a:pPr latinLnBrk="1"/>
+                      <a:r>
+                        <a:rPr lang="en-US" altLang="ko-KR" sz="700" dirty="0" smtClean="0"/>
+                        <a:t>7</a:t>
                       </a:r>
                       <a:endParaRPr lang="ko-KR" altLang="en-US" sz="700" dirty="0"/>
                     </a:p>
@@ -5440,22 +5440,22 @@
                       <a:pPr latinLnBrk="1"/>
                       <a:r>
                         <a:rPr lang="en-US" altLang="ko-KR" sz="700" dirty="0" smtClean="0"/>
-                        <a:t>4</a:t>
-                      </a:r>
-                      <a:endParaRPr lang="ko-KR" altLang="en-US" sz="700" dirty="0"/>
-                    </a:p>
-                  </a:txBody>
-                  <a:tcPr/>
-                </a:tc>
-                <a:tc>
-                  <a:txBody>
-                    <a:bodyPr/>
-                    <a:lstStyle/>
-                    <a:p>
-                      <a:pPr latinLnBrk="1"/>
-                      <a:r>
-                        <a:rPr lang="en-US" altLang="ko-KR" sz="700" dirty="0" smtClean="0"/>
-                        <a:t>6</a:t>
+                        <a:t>5</a:t>
+                      </a:r>
+                      <a:endParaRPr lang="ko-KR" altLang="en-US" sz="700" dirty="0"/>
+                    </a:p>
+                  </a:txBody>
+                  <a:tcPr/>
+                </a:tc>
+                <a:tc>
+                  <a:txBody>
+                    <a:bodyPr/>
+                    <a:lstStyle/>
+                    <a:p>
+                      <a:pPr latinLnBrk="1"/>
+                      <a:r>
+                        <a:rPr lang="en-US" altLang="ko-KR" sz="700" dirty="0" smtClean="0"/>
+                        <a:t>7</a:t>
                       </a:r>
                       <a:endParaRPr lang="ko-KR" altLang="en-US" sz="700" dirty="0"/>
                     </a:p>
